--- a/SpringBoot.pptx
+++ b/SpringBoot.pptx
@@ -10,10 +10,12 @@
     <p:sldId id="261" r:id="rId4"/>
     <p:sldId id="262" r:id="rId5"/>
     <p:sldId id="259" r:id="rId6"/>
-    <p:sldId id="264" r:id="rId7"/>
-    <p:sldId id="258" r:id="rId8"/>
-    <p:sldId id="257" r:id="rId9"/>
-    <p:sldId id="263" r:id="rId10"/>
+    <p:sldId id="265" r:id="rId7"/>
+    <p:sldId id="264" r:id="rId8"/>
+    <p:sldId id="258" r:id="rId9"/>
+    <p:sldId id="257" r:id="rId10"/>
+    <p:sldId id="266" r:id="rId11"/>
+    <p:sldId id="263" r:id="rId12"/>
   </p:sldIdLst>
   <p:sldSz cx="9144000" cy="6858000" type="screen4x3"/>
   <p:notesSz cx="6858000" cy="9144000"/>
@@ -307,7 +309,7 @@
           <a:p>
             <a:fld id="{216C5678-EE20-4FA5-88E2-6E0BD67A2E26}" type="datetime1">
               <a:rPr lang="en-US" smtClean="0"/>
-              <a:t>10/30/14</a:t>
+              <a:t>10/31/14</a:t>
             </a:fld>
             <a:endParaRPr lang="en-US" dirty="0"/>
           </a:p>
@@ -477,7 +479,7 @@
           <a:p>
             <a:fld id="{EA051B39-B140-43FE-96DB-472A2B59CE7C}" type="datetime1">
               <a:rPr lang="en-US" smtClean="0"/>
-              <a:t>10/30/14</a:t>
+              <a:t>10/31/14</a:t>
             </a:fld>
             <a:endParaRPr lang="en-US"/>
           </a:p>
@@ -657,7 +659,7 @@
           <a:p>
             <a:fld id="{DA600BB2-27C5-458B-ABCE-839C88CF47CE}" type="datetime1">
               <a:rPr lang="en-US" smtClean="0"/>
-              <a:t>10/30/14</a:t>
+              <a:t>10/31/14</a:t>
             </a:fld>
             <a:endParaRPr lang="en-US"/>
           </a:p>
@@ -845,7 +847,7 @@
           <a:p>
             <a:fld id="{B11D738E-8962-435F-8C43-147B8DD7E819}" type="datetime1">
               <a:rPr lang="en-US" smtClean="0"/>
-              <a:t>10/30/14</a:t>
+              <a:t>10/31/14</a:t>
             </a:fld>
             <a:endParaRPr lang="en-US"/>
           </a:p>
@@ -1112,7 +1114,7 @@
           <a:p>
             <a:fld id="{09CAEA93-55E7-4DA9-90C2-089A26EEFEC4}" type="datetime1">
               <a:rPr lang="en-US" smtClean="0"/>
-              <a:t>10/30/14</a:t>
+              <a:t>10/31/14</a:t>
             </a:fld>
             <a:endParaRPr lang="en-US"/>
           </a:p>
@@ -1465,7 +1467,7 @@
           <a:p>
             <a:fld id="{E34CF3C7-6809-4F39-BD67-A75817BDDE0A}" type="datetime1">
               <a:rPr lang="en-US" smtClean="0"/>
-              <a:t>10/30/14</a:t>
+              <a:t>10/31/14</a:t>
             </a:fld>
             <a:endParaRPr lang="en-US"/>
           </a:p>
@@ -1778,7 +1780,7 @@
           <a:p>
             <a:fld id="{F7EAEB24-CE78-465C-A726-91D0868FA48F}" type="datetime1">
               <a:rPr lang="en-US" smtClean="0"/>
-              <a:t>10/30/14</a:t>
+              <a:t>10/31/14</a:t>
             </a:fld>
             <a:endParaRPr lang="en-US"/>
           </a:p>
@@ -2010,7 +2012,7 @@
           <a:p>
             <a:fld id="{40BAADF0-1749-4E8B-9691-B44A5F8C0895}" type="datetime1">
               <a:rPr lang="en-US" smtClean="0"/>
-              <a:t>10/30/14</a:t>
+              <a:t>10/31/14</a:t>
             </a:fld>
             <a:endParaRPr lang="en-US"/>
           </a:p>
@@ -2105,7 +2107,7 @@
           <a:p>
             <a:fld id="{A8AF628A-A867-4937-BBE5-207DB6F9C51A}" type="datetime1">
               <a:rPr lang="en-US" smtClean="0"/>
-              <a:t>10/30/14</a:t>
+              <a:t>10/31/14</a:t>
             </a:fld>
             <a:endParaRPr lang="en-US"/>
           </a:p>
@@ -2398,7 +2400,7 @@
           <a:p>
             <a:fld id="{118BBB94-68E6-4675-A946-F1C5994EDBD7}" type="datetime1">
               <a:rPr lang="en-US" smtClean="0"/>
-              <a:t>10/30/14</a:t>
+              <a:t>10/31/14</a:t>
             </a:fld>
             <a:endParaRPr lang="en-US"/>
           </a:p>
@@ -2672,7 +2674,7 @@
           <a:p>
             <a:fld id="{DC3B8377-21E3-4835-B75D-4E2847E2750F}" type="datetime1">
               <a:rPr lang="en-US" smtClean="0"/>
-              <a:t>10/30/14</a:t>
+              <a:t>10/31/14</a:t>
             </a:fld>
             <a:endParaRPr lang="en-US"/>
           </a:p>
@@ -2887,7 +2889,7 @@
           <a:p>
             <a:fld id="{B0C4986D-6BE9-4264-908F-02DB36FD8D6C}" type="datetime1">
               <a:rPr lang="en-US" smtClean="0"/>
-              <a:t>10/30/14</a:t>
+              <a:t>10/31/14</a:t>
             </a:fld>
             <a:endParaRPr lang="en-US" dirty="0"/>
           </a:p>
@@ -3510,6 +3512,303 @@
 </p:sld>
 </file>
 
+<file path=ppt/slides/slide10.xml><?xml version="1.0" encoding="utf-8"?>
+<p:sld xmlns:a="http://schemas.openxmlformats.org/drawingml/2006/main" xmlns:r="http://schemas.openxmlformats.org/officeDocument/2006/relationships" xmlns:p="http://schemas.openxmlformats.org/presentationml/2006/main">
+  <p:cSld>
+    <p:spTree>
+      <p:nvGrpSpPr>
+        <p:cNvPr id="1" name=""/>
+        <p:cNvGrpSpPr/>
+        <p:nvPr/>
+      </p:nvGrpSpPr>
+      <p:grpSpPr>
+        <a:xfrm>
+          <a:off x="0" y="0"/>
+          <a:ext cx="0" cy="0"/>
+          <a:chOff x="0" y="0"/>
+          <a:chExt cx="0" cy="0"/>
+        </a:xfrm>
+      </p:grpSpPr>
+      <p:sp>
+        <p:nvSpPr>
+          <p:cNvPr id="2" name="Title 1"/>
+          <p:cNvSpPr>
+            <a:spLocks noGrp="1"/>
+          </p:cNvSpPr>
+          <p:nvPr>
+            <p:ph type="title"/>
+          </p:nvPr>
+        </p:nvSpPr>
+        <p:spPr/>
+        <p:txBody>
+          <a:bodyPr/>
+          <a:lstStyle/>
+          <a:p>
+            <a:r>
+              <a:rPr lang="en-US" dirty="0" smtClean="0"/>
+              <a:t>Are we using boot?</a:t>
+            </a:r>
+            <a:endParaRPr lang="en-US" dirty="0"/>
+          </a:p>
+        </p:txBody>
+      </p:sp>
+      <p:sp>
+        <p:nvSpPr>
+          <p:cNvPr id="3" name="Content Placeholder 2"/>
+          <p:cNvSpPr>
+            <a:spLocks noGrp="1"/>
+          </p:cNvSpPr>
+          <p:nvPr>
+            <p:ph idx="1"/>
+          </p:nvPr>
+        </p:nvSpPr>
+        <p:spPr/>
+        <p:txBody>
+          <a:bodyPr/>
+          <a:lstStyle/>
+          <a:p>
+            <a:r>
+              <a:rPr lang="en-US" dirty="0"/>
+              <a:t>//</a:t>
+            </a:r>
+            <a:r>
+              <a:rPr lang="en-US" dirty="0" err="1"/>
+              <a:t>OpenPlatform</a:t>
+            </a:r>
+            <a:r>
+              <a:rPr lang="en-US" dirty="0"/>
+              <a:t>/services/</a:t>
+            </a:r>
+            <a:r>
+              <a:rPr lang="en-US" dirty="0" err="1"/>
+              <a:t>GenericToolsService</a:t>
+            </a:r>
+            <a:r>
+              <a:rPr lang="en-US" dirty="0"/>
+              <a:t>/trunk/modules/</a:t>
+            </a:r>
+            <a:r>
+              <a:rPr lang="en-US" dirty="0" err="1"/>
+              <a:t>WebsitesDomainService</a:t>
+            </a:r>
+            <a:r>
+              <a:rPr lang="en-US" dirty="0"/>
+              <a:t>/ </a:t>
+            </a:r>
+            <a:endParaRPr lang="en-US" dirty="0" smtClean="0"/>
+          </a:p>
+          <a:p>
+            <a:r>
+              <a:rPr lang="en-US" dirty="0" smtClean="0"/>
+              <a:t>//</a:t>
+            </a:r>
+            <a:r>
+              <a:rPr lang="en-US" dirty="0" err="1"/>
+              <a:t>ProfessionalServices</a:t>
+            </a:r>
+            <a:r>
+              <a:rPr lang="en-US" dirty="0"/>
+              <a:t>/</a:t>
+            </a:r>
+            <a:r>
+              <a:rPr lang="en-US" dirty="0" err="1"/>
+              <a:t>FeedParsers</a:t>
+            </a:r>
+            <a:r>
+              <a:rPr lang="en-US" dirty="0"/>
+              <a:t>/IOMOffersParser-</a:t>
+            </a:r>
+            <a:r>
+              <a:rPr lang="en-US" dirty="0" smtClean="0"/>
+              <a:t>v1</a:t>
+            </a:r>
+            <a:endParaRPr lang="en-US" dirty="0"/>
+          </a:p>
+        </p:txBody>
+      </p:sp>
+    </p:spTree>
+    <p:extLst>
+      <p:ext uri="{BB962C8B-B14F-4D97-AF65-F5344CB8AC3E}">
+        <p14:creationId xmlns:p14="http://schemas.microsoft.com/office/powerpoint/2010/main" val="3814944321"/>
+      </p:ext>
+    </p:extLst>
+  </p:cSld>
+  <p:clrMapOvr>
+    <a:masterClrMapping/>
+  </p:clrMapOvr>
+</p:sld>
+</file>
+
+<file path=ppt/slides/slide11.xml><?xml version="1.0" encoding="utf-8"?>
+<p:sld xmlns:a="http://schemas.openxmlformats.org/drawingml/2006/main" xmlns:r="http://schemas.openxmlformats.org/officeDocument/2006/relationships" xmlns:p="http://schemas.openxmlformats.org/presentationml/2006/main">
+  <p:cSld>
+    <p:spTree>
+      <p:nvGrpSpPr>
+        <p:cNvPr id="1" name=""/>
+        <p:cNvGrpSpPr/>
+        <p:nvPr/>
+      </p:nvGrpSpPr>
+      <p:grpSpPr>
+        <a:xfrm>
+          <a:off x="0" y="0"/>
+          <a:ext cx="0" cy="0"/>
+          <a:chOff x="0" y="0"/>
+          <a:chExt cx="0" cy="0"/>
+        </a:xfrm>
+      </p:grpSpPr>
+      <p:sp>
+        <p:nvSpPr>
+          <p:cNvPr id="2" name="Title 1"/>
+          <p:cNvSpPr>
+            <a:spLocks noGrp="1"/>
+          </p:cNvSpPr>
+          <p:nvPr>
+            <p:ph type="title"/>
+          </p:nvPr>
+        </p:nvSpPr>
+        <p:spPr/>
+        <p:txBody>
+          <a:bodyPr/>
+          <a:lstStyle/>
+          <a:p>
+            <a:r>
+              <a:rPr lang="en-US" dirty="0" smtClean="0"/>
+              <a:t>References</a:t>
+            </a:r>
+            <a:endParaRPr lang="en-US" dirty="0"/>
+          </a:p>
+        </p:txBody>
+      </p:sp>
+      <p:sp>
+        <p:nvSpPr>
+          <p:cNvPr id="3" name="Content Placeholder 2"/>
+          <p:cNvSpPr>
+            <a:spLocks noGrp="1"/>
+          </p:cNvSpPr>
+          <p:nvPr>
+            <p:ph idx="1"/>
+          </p:nvPr>
+        </p:nvSpPr>
+        <p:spPr/>
+        <p:txBody>
+          <a:bodyPr>
+            <a:normAutofit/>
+          </a:bodyPr>
+          <a:lstStyle/>
+          <a:p>
+            <a:r>
+              <a:rPr lang="en-US" dirty="0">
+                <a:hlinkClick r:id="rId2"/>
+              </a:rPr>
+              <a:t>http://docs.spring.io/spring-boot/docs/current-SNAPSHOT/reference/htmlsingle/#boot-</a:t>
+            </a:r>
+            <a:r>
+              <a:rPr lang="en-US" dirty="0" smtClean="0">
+                <a:hlinkClick r:id="rId2"/>
+              </a:rPr>
+              <a:t>documentation</a:t>
+            </a:r>
+            <a:endParaRPr lang="en-US" dirty="0" smtClean="0"/>
+          </a:p>
+          <a:p>
+            <a:r>
+              <a:rPr lang="en-US" dirty="0">
+                <a:hlinkClick r:id="rId3"/>
+              </a:rPr>
+              <a:t>http://start.spring.io</a:t>
+            </a:r>
+            <a:r>
+              <a:rPr lang="en-US" dirty="0" smtClean="0">
+                <a:hlinkClick r:id="rId3"/>
+              </a:rPr>
+              <a:t>/</a:t>
+            </a:r>
+            <a:endParaRPr lang="en-US" dirty="0" smtClean="0"/>
+          </a:p>
+          <a:p>
+            <a:r>
+              <a:rPr lang="en-US" dirty="0">
+                <a:hlinkClick r:id="rId4"/>
+              </a:rPr>
+              <a:t>http://spring.io/</a:t>
+            </a:r>
+            <a:r>
+              <a:rPr lang="en-US" dirty="0" smtClean="0">
+                <a:hlinkClick r:id="rId4"/>
+              </a:rPr>
+              <a:t>guides</a:t>
+            </a:r>
+            <a:endParaRPr lang="en-US" dirty="0" smtClean="0"/>
+          </a:p>
+          <a:p>
+            <a:r>
+              <a:rPr lang="en-US" dirty="0" smtClean="0">
+                <a:hlinkClick r:id="rId5"/>
+              </a:rPr>
+              <a:t>http</a:t>
+            </a:r>
+            <a:r>
+              <a:rPr lang="en-US" dirty="0">
+                <a:hlinkClick r:id="rId5"/>
+              </a:rPr>
+              <a:t>://www.webjars.org</a:t>
+            </a:r>
+            <a:r>
+              <a:rPr lang="en-US" dirty="0" smtClean="0">
+                <a:hlinkClick r:id="rId5"/>
+              </a:rPr>
+              <a:t>/</a:t>
+            </a:r>
+            <a:endParaRPr lang="en-US" dirty="0" smtClean="0"/>
+          </a:p>
+          <a:p>
+            <a:r>
+              <a:rPr lang="en-US" dirty="0">
+                <a:hlinkClick r:id="rId6"/>
+              </a:rPr>
+              <a:t>http://www.thymeleaf.org/doc/</a:t>
+            </a:r>
+            <a:r>
+              <a:rPr lang="en-US" dirty="0" smtClean="0">
+                <a:hlinkClick r:id="rId6"/>
+              </a:rPr>
+              <a:t>thymeleafspring.html</a:t>
+            </a:r>
+            <a:endParaRPr lang="en-US" dirty="0" smtClean="0"/>
+          </a:p>
+          <a:p>
+            <a:r>
+              <a:rPr lang="en-US" dirty="0">
+                <a:hlinkClick r:id="rId7"/>
+              </a:rPr>
+              <a:t>https://github.com/spring-projects/spring-boot/tree/master/spring-boot-autoconfigure/src/main/java/org/springframework/boot/</a:t>
+            </a:r>
+            <a:r>
+              <a:rPr lang="en-US" dirty="0" smtClean="0">
+                <a:hlinkClick r:id="rId7"/>
+              </a:rPr>
+              <a:t>autoconfigure</a:t>
+            </a:r>
+            <a:endParaRPr lang="en-US" dirty="0" smtClean="0"/>
+          </a:p>
+          <a:p>
+            <a:endParaRPr lang="en-US" dirty="0"/>
+          </a:p>
+        </p:txBody>
+      </p:sp>
+    </p:spTree>
+    <p:extLst>
+      <p:ext uri="{BB962C8B-B14F-4D97-AF65-F5344CB8AC3E}">
+        <p14:creationId xmlns:p14="http://schemas.microsoft.com/office/powerpoint/2010/main" val="3901240246"/>
+      </p:ext>
+    </p:extLst>
+  </p:cSld>
+  <p:clrMapOvr>
+    <a:masterClrMapping/>
+  </p:clrMapOvr>
+</p:sld>
+</file>
+
 <file path=ppt/slides/slide2.xml><?xml version="1.0" encoding="utf-8"?>
 <p:sld xmlns:a="http://schemas.openxmlformats.org/drawingml/2006/main" xmlns:r="http://schemas.openxmlformats.org/officeDocument/2006/relationships" xmlns:p="http://schemas.openxmlformats.org/presentationml/2006/main">
   <p:cSld>
@@ -3780,7 +4079,12 @@
             <p:ph type="title"/>
           </p:nvPr>
         </p:nvSpPr>
-        <p:spPr/>
+        <p:spPr>
+          <a:xfrm>
+            <a:off x="457200" y="0"/>
+            <a:ext cx="8229600" cy="1042276"/>
+          </a:xfrm>
+        </p:spPr>
         <p:txBody>
           <a:bodyPr/>
           <a:lstStyle/>
@@ -3803,10 +4107,15 @@
             <p:ph idx="1"/>
           </p:nvPr>
         </p:nvSpPr>
-        <p:spPr/>
+        <p:spPr>
+          <a:xfrm>
+            <a:off x="457200" y="1191172"/>
+            <a:ext cx="8229600" cy="4934991"/>
+          </a:xfrm>
+        </p:spPr>
         <p:txBody>
           <a:bodyPr>
-            <a:normAutofit lnSpcReduction="10000"/>
+            <a:normAutofit fontScale="77500" lnSpcReduction="20000"/>
           </a:bodyPr>
           <a:lstStyle/>
           <a:p>
@@ -3836,11 +4145,7 @@
             </a:pPr>
             <a:r>
               <a:rPr lang="en-US" dirty="0" smtClean="0"/>
-              <a:t>Takes </a:t>
-            </a:r>
-            <a:r>
-              <a:rPr lang="en-US" dirty="0"/>
-              <a:t>away boilerplate configuration</a:t>
+              <a:t>Convention over Configuration</a:t>
             </a:r>
           </a:p>
           <a:p>
@@ -3855,6 +4160,25 @@
             </a:pPr>
             <a:r>
               <a:rPr lang="en-US" dirty="0" smtClean="0"/>
+              <a:t>Takes </a:t>
+            </a:r>
+            <a:r>
+              <a:rPr lang="en-US" dirty="0"/>
+              <a:t>away boilerplate configuration</a:t>
+            </a:r>
+          </a:p>
+          <a:p>
+            <a:pPr marL="0" indent="0" algn="ctr">
+              <a:buNone/>
+            </a:pPr>
+            <a:endParaRPr lang="en-US" dirty="0" smtClean="0"/>
+          </a:p>
+          <a:p>
+            <a:pPr marL="0" indent="0" algn="ctr">
+              <a:buNone/>
+            </a:pPr>
+            <a:r>
+              <a:rPr lang="en-US" dirty="0" smtClean="0"/>
               <a:t>Heavily </a:t>
             </a:r>
             <a:r>
@@ -3873,7 +4197,30 @@
             </a:r>
             <a:r>
               <a:rPr lang="en-US" sz="1400" dirty="0"/>
-              <a:t>but allows you to override opinions)</a:t>
+              <a:t>but allows you to override </a:t>
+            </a:r>
+            <a:r>
+              <a:rPr lang="en-US" sz="1400"/>
+              <a:t>opinions</a:t>
+            </a:r>
+            <a:r>
+              <a:rPr lang="en-US" sz="1400" smtClean="0"/>
+              <a:t>)</a:t>
+            </a:r>
+          </a:p>
+          <a:p>
+            <a:pPr marL="0" indent="0" algn="ctr">
+              <a:buNone/>
+            </a:pPr>
+            <a:endParaRPr lang="en-US" sz="1400" dirty="0"/>
+          </a:p>
+          <a:p>
+            <a:pPr marL="0" indent="0" algn="ctr">
+              <a:buNone/>
+            </a:pPr>
+            <a:r>
+              <a:rPr lang="en-US" dirty="0" smtClean="0"/>
+              <a:t>Automatic configuration</a:t>
             </a:r>
           </a:p>
           <a:p>
@@ -3912,8 +4259,28 @@
             </a:r>
             <a:r>
               <a:rPr lang="en-US" dirty="0"/>
-              <a:t>build to JAR or WAR</a:t>
-            </a:r>
+              <a:t>build to JAR or </a:t>
+            </a:r>
+            <a:r>
+              <a:rPr lang="en-US" dirty="0" smtClean="0"/>
+              <a:t>WAR</a:t>
+            </a:r>
+          </a:p>
+          <a:p>
+            <a:pPr marL="0" indent="0" algn="ctr">
+              <a:buNone/>
+            </a:pPr>
+            <a:endParaRPr lang="en-US" dirty="0" smtClean="0"/>
+          </a:p>
+          <a:p>
+            <a:pPr marL="0" indent="0" algn="ctr">
+              <a:buNone/>
+            </a:pPr>
+            <a:r>
+              <a:rPr lang="en-US" dirty="0" smtClean="0"/>
+              <a:t>Production ready features for monitoring and metrics</a:t>
+            </a:r>
+            <a:endParaRPr lang="en-US" dirty="0"/>
           </a:p>
         </p:txBody>
       </p:sp>
@@ -4000,6 +4367,9 @@
               <a:rPr lang="en-US" dirty="0" smtClean="0"/>
               <a:t> files</a:t>
             </a:r>
+          </a:p>
+          <a:p>
+            <a:endParaRPr lang="en-US" dirty="0" smtClean="0"/>
           </a:p>
           <a:p>
             <a:r>
@@ -4068,14 +4438,23 @@
             <p:ph type="title"/>
           </p:nvPr>
         </p:nvSpPr>
-        <p:spPr/>
-        <p:txBody>
-          <a:bodyPr/>
-          <a:lstStyle/>
-          <a:p>
+        <p:spPr>
+          <a:xfrm>
+            <a:off x="457200" y="0"/>
+            <a:ext cx="8229600" cy="832069"/>
+          </a:xfrm>
+        </p:spPr>
+        <p:txBody>
+          <a:bodyPr/>
+          <a:lstStyle/>
+          <a:p>
+            <a:r>
+              <a:rPr lang="en-US" dirty="0" err="1" smtClean="0"/>
+              <a:t>AutoConfiguration</a:t>
+            </a:r>
             <a:r>
               <a:rPr lang="en-US" dirty="0" smtClean="0"/>
-              <a:t>Override defaults? </a:t>
+              <a:t> ?</a:t>
             </a:r>
             <a:endParaRPr lang="en-US" dirty="0"/>
           </a:p>
@@ -4091,52 +4470,147 @@
             <p:ph idx="1"/>
           </p:nvPr>
         </p:nvSpPr>
-        <p:spPr/>
-        <p:txBody>
-          <a:bodyPr/>
-          <a:lstStyle/>
-          <a:p>
+        <p:spPr>
+          <a:xfrm>
+            <a:off x="457200" y="1103586"/>
+            <a:ext cx="8229600" cy="5022577"/>
+          </a:xfrm>
+        </p:spPr>
+        <p:txBody>
+          <a:bodyPr>
+            <a:normAutofit/>
+          </a:bodyPr>
+          <a:lstStyle/>
+          <a:p>
+            <a:r>
+              <a:rPr lang="en-US" dirty="0"/>
+              <a:t>@</a:t>
+            </a:r>
+            <a:r>
+              <a:rPr lang="en-US" dirty="0" err="1" smtClean="0"/>
+              <a:t>EnableAutoConfiguration</a:t>
+            </a:r>
             <a:endParaRPr lang="en-US" dirty="0" smtClean="0"/>
           </a:p>
           <a:p>
             <a:r>
-              <a:rPr lang="en-US" dirty="0" err="1" smtClean="0"/>
-              <a:t>application.properties</a:t>
-            </a:r>
-            <a:r>
               <a:rPr lang="en-US" dirty="0" smtClean="0"/>
-              <a:t> / </a:t>
-            </a:r>
-            <a:r>
-              <a:rPr lang="en-US" dirty="0" err="1" smtClean="0"/>
-              <a:t>application.yml</a:t>
+              <a:t>@</a:t>
+            </a:r>
+            <a:r>
+              <a:rPr lang="en-US" dirty="0" err="1"/>
+              <a:t>ConditionalOnClass</a:t>
+            </a:r>
+            <a:r>
+              <a:rPr lang="en-US" dirty="0"/>
+              <a:t> </a:t>
             </a:r>
             <a:endParaRPr lang="en-US" dirty="0" smtClean="0"/>
           </a:p>
           <a:p>
-            <a:endParaRPr lang="en-US" dirty="0" smtClean="0">
-              <a:hlinkClick r:id="rId2"/>
-            </a:endParaRPr>
-          </a:p>
-          <a:p>
-            <a:r>
-              <a:rPr lang="en-US" dirty="0" smtClean="0">
-                <a:hlinkClick r:id="rId2"/>
-              </a:rPr>
-              <a:t>http</a:t>
-            </a:r>
+            <a:r>
+              <a:rPr lang="en-US" dirty="0" smtClean="0"/>
+              <a:t>@</a:t>
+            </a:r>
+            <a:r>
+              <a:rPr lang="en-US" dirty="0" err="1"/>
+              <a:t>ConditionalOnBean</a:t>
+            </a:r>
+            <a:r>
+              <a:rPr lang="en-US" dirty="0"/>
+              <a:t> </a:t>
+            </a:r>
+            <a:endParaRPr lang="en-US" dirty="0" smtClean="0"/>
+          </a:p>
+          <a:p>
+            <a:r>
+              <a:rPr lang="en-US" dirty="0" smtClean="0"/>
+              <a:t>@</a:t>
+            </a:r>
+            <a:r>
+              <a:rPr lang="en-US" dirty="0" err="1"/>
+              <a:t>ConditionalOnExpression</a:t>
+            </a:r>
+            <a:r>
+              <a:rPr lang="en-US" dirty="0"/>
+              <a:t> </a:t>
+            </a:r>
+          </a:p>
+          <a:p>
+            <a:r>
+              <a:rPr lang="en-US" dirty="0"/>
+              <a:t>@</a:t>
+            </a:r>
+            <a:r>
+              <a:rPr lang="en-US" dirty="0" smtClean="0"/>
+              <a:t>Configuration</a:t>
+            </a:r>
+          </a:p>
+          <a:p>
+            <a:r>
+              <a:rPr lang="en-US" dirty="0"/>
+              <a:t>@</a:t>
+            </a:r>
+            <a:r>
+              <a:rPr lang="en-US" dirty="0" err="1"/>
+              <a:t>ConditionalOnClass</a:t>
+            </a:r>
+            <a:r>
+              <a:rPr lang="en-US" dirty="0"/>
+              <a:t>({ </a:t>
+            </a:r>
+            <a:r>
+              <a:rPr lang="en-US" dirty="0" err="1"/>
+              <a:t>MBeanExporter.class</a:t>
+            </a:r>
+            <a:r>
+              <a:rPr lang="en-US" dirty="0"/>
+              <a:t> }) </a:t>
+            </a:r>
+            <a:endParaRPr lang="en-US" dirty="0" smtClean="0"/>
+          </a:p>
+          <a:p>
+            <a:r>
+              <a:rPr lang="en-US" dirty="0"/>
+              <a:t>@</a:t>
+            </a:r>
+            <a:r>
+              <a:rPr lang="en-US" dirty="0" err="1"/>
+              <a:t>ConditionalOnMissingBean</a:t>
+            </a:r>
+            <a:r>
+              <a:rPr lang="en-US" dirty="0"/>
+              <a:t>({ </a:t>
+            </a:r>
+            <a:r>
+              <a:rPr lang="en-US" dirty="0" err="1"/>
+              <a:t>MBeanExporter.class</a:t>
+            </a:r>
+            <a:r>
+              <a:rPr lang="en-US" dirty="0"/>
+              <a:t> }</a:t>
+            </a:r>
+            <a:r>
+              <a:rPr lang="en-US" dirty="0" smtClean="0"/>
+              <a:t>)</a:t>
+            </a:r>
+          </a:p>
+          <a:p>
             <a:r>
               <a:rPr lang="en-US" dirty="0">
                 <a:hlinkClick r:id="rId2"/>
               </a:rPr>
-              <a:t>://docs.spring.io/spring-boot/docs/current/reference/html/common-application-properties.html</a:t>
+              <a:t>https://github.com/spring-projects/spring-boot/tree/master/spring-boot-autoconfigure/src/main/java/org/springframework/boot/autoconfigure</a:t>
             </a:r>
             <a:endParaRPr lang="en-US" dirty="0"/>
           </a:p>
           <a:p>
-            <a:pPr marL="0" indent="0">
-              <a:buNone/>
-            </a:pPr>
+            <a:endParaRPr lang="en-US" dirty="0"/>
+          </a:p>
+          <a:p>
+            <a:endParaRPr lang="en-US" dirty="0" smtClean="0"/>
+          </a:p>
+          <a:p>
             <a:endParaRPr lang="en-US" dirty="0"/>
           </a:p>
         </p:txBody>
@@ -4144,7 +4618,7 @@
     </p:spTree>
     <p:extLst>
       <p:ext uri="{BB962C8B-B14F-4D97-AF65-F5344CB8AC3E}">
-        <p14:creationId xmlns:p14="http://schemas.microsoft.com/office/powerpoint/2010/main" val="2029264155"/>
+        <p14:creationId xmlns:p14="http://schemas.microsoft.com/office/powerpoint/2010/main" val="422814192"/>
       </p:ext>
     </p:extLst>
   </p:cSld>
@@ -4188,7 +4662,7 @@
           <a:p>
             <a:r>
               <a:rPr lang="en-US" dirty="0" smtClean="0"/>
-              <a:t>Actuator?</a:t>
+              <a:t>Override defaults? </a:t>
             </a:r>
             <a:endParaRPr lang="en-US" dirty="0"/>
           </a:p>
@@ -4213,94 +4687,43 @@
           </a:p>
           <a:p>
             <a:r>
+              <a:rPr lang="en-US" dirty="0" err="1" smtClean="0"/>
+              <a:t>application.properties</a:t>
+            </a:r>
+            <a:r>
               <a:rPr lang="en-US" dirty="0" smtClean="0"/>
-              <a:t>Adds </a:t>
-            </a:r>
-            <a:r>
-              <a:rPr lang="en-US" dirty="0"/>
-              <a:t>production ready features such as metrics and monitoring</a:t>
-            </a:r>
-            <a:r>
-              <a:rPr lang="en-US" dirty="0" smtClean="0"/>
-              <a:t>.</a:t>
-            </a:r>
-          </a:p>
-          <a:p>
+              <a:t> / </a:t>
+            </a:r>
+            <a:r>
+              <a:rPr lang="en-US" dirty="0" err="1" smtClean="0"/>
+              <a:t>application.yml</a:t>
+            </a:r>
+            <a:endParaRPr lang="en-US" dirty="0" smtClean="0"/>
+          </a:p>
+          <a:p>
+            <a:endParaRPr lang="en-US" dirty="0" smtClean="0">
+              <a:hlinkClick r:id="rId2"/>
+            </a:endParaRPr>
+          </a:p>
+          <a:p>
+            <a:r>
+              <a:rPr lang="en-US" dirty="0" smtClean="0">
+                <a:hlinkClick r:id="rId2"/>
+              </a:rPr>
+              <a:t>http</a:t>
+            </a:r>
             <a:r>
               <a:rPr lang="en-US" dirty="0">
                 <a:hlinkClick r:id="rId2"/>
               </a:rPr>
-              <a:t>http://docs.spring.io/spring-boot/docs/current-SNAPSHOT/reference/htmlsingle/#production-ready-</a:t>
-            </a:r>
-            <a:r>
-              <a:rPr lang="en-US" dirty="0" smtClean="0">
-                <a:hlinkClick r:id="rId2"/>
-              </a:rPr>
-              <a:t>enabling</a:t>
-            </a:r>
-            <a:endParaRPr lang="en-US" dirty="0" smtClean="0"/>
-          </a:p>
-          <a:p>
-            <a:r>
-              <a:rPr lang="en-US" dirty="0">
-                <a:hlinkClick r:id="rId3"/>
-              </a:rPr>
-              <a:t>http://localhost:8080/</a:t>
-            </a:r>
-            <a:r>
-              <a:rPr lang="en-US" dirty="0" smtClean="0">
-                <a:hlinkClick r:id="rId3"/>
-              </a:rPr>
-              <a:t>metrics</a:t>
-            </a:r>
-            <a:endParaRPr lang="en-US" dirty="0" smtClean="0"/>
-          </a:p>
-          <a:p>
-            <a:r>
-              <a:rPr lang="en-US" dirty="0">
-                <a:hlinkClick r:id="rId4"/>
-              </a:rPr>
-              <a:t>http://localhost:8080/</a:t>
-            </a:r>
-            <a:r>
-              <a:rPr lang="en-US" dirty="0" smtClean="0">
-                <a:hlinkClick r:id="rId4"/>
-              </a:rPr>
-              <a:t>beans</a:t>
-            </a:r>
-            <a:endParaRPr lang="en-US" dirty="0" smtClean="0"/>
-          </a:p>
-          <a:p>
-            <a:r>
-              <a:rPr lang="en-US" dirty="0">
-                <a:hlinkClick r:id="rId5"/>
-              </a:rPr>
-              <a:t>http://localhost:8080/</a:t>
-            </a:r>
-            <a:r>
-              <a:rPr lang="en-US" dirty="0" smtClean="0">
-                <a:hlinkClick r:id="rId5"/>
-              </a:rPr>
-              <a:t>mappings</a:t>
-            </a:r>
-            <a:endParaRPr lang="en-US" dirty="0" smtClean="0"/>
-          </a:p>
-          <a:p>
-            <a:r>
-              <a:rPr lang="en-US" dirty="0">
-                <a:hlinkClick r:id="rId6"/>
-              </a:rPr>
-              <a:t>http://localhost:8080/</a:t>
-            </a:r>
-            <a:r>
-              <a:rPr lang="en-US" dirty="0" smtClean="0">
-                <a:hlinkClick r:id="rId6"/>
-              </a:rPr>
-              <a:t>autoconfig</a:t>
-            </a:r>
-            <a:endParaRPr lang="en-US" dirty="0" smtClean="0"/>
-          </a:p>
-          <a:p>
+              <a:t>://docs.spring.io/spring-boot/docs/current/reference/html/common-application-properties.html</a:t>
+            </a:r>
+            <a:endParaRPr lang="en-US" dirty="0"/>
+          </a:p>
+          <a:p>
+            <a:pPr marL="0" indent="0">
+              <a:buNone/>
+            </a:pPr>
             <a:endParaRPr lang="en-US" dirty="0"/>
           </a:p>
         </p:txBody>
@@ -4308,20 +4731,13 @@
     </p:spTree>
     <p:extLst>
       <p:ext uri="{BB962C8B-B14F-4D97-AF65-F5344CB8AC3E}">
-        <p14:creationId xmlns:p14="http://schemas.microsoft.com/office/powerpoint/2010/main" val="204937054"/>
+        <p14:creationId xmlns:p14="http://schemas.microsoft.com/office/powerpoint/2010/main" val="2029264155"/>
       </p:ext>
     </p:extLst>
   </p:cSld>
   <p:clrMapOvr>
     <a:masterClrMapping/>
   </p:clrMapOvr>
-  <p:timing>
-    <p:tnLst>
-      <p:par>
-        <p:cTn xmlns:p14="http://schemas.microsoft.com/office/powerpoint/2010/main" id="1" dur="indefinite" restart="never" nodeType="tmRoot"/>
-      </p:par>
-    </p:tnLst>
-  </p:timing>
 </p:sld>
 </file>
 
@@ -4359,7 +4775,7 @@
           <a:p>
             <a:r>
               <a:rPr lang="en-US" dirty="0" smtClean="0"/>
-              <a:t>Jetty Instead Of Tomcat?</a:t>
+              <a:t>Actuator?</a:t>
             </a:r>
             <a:endParaRPr lang="en-US" dirty="0"/>
           </a:p>
@@ -4377,272 +4793,109 @@
         </p:nvSpPr>
         <p:spPr/>
         <p:txBody>
-          <a:bodyPr>
-            <a:normAutofit fontScale="77500" lnSpcReduction="20000"/>
-          </a:bodyPr>
-          <a:lstStyle/>
-          <a:p>
-            <a:pPr marL="0" indent="0">
-              <a:buNone/>
-            </a:pPr>
+          <a:bodyPr/>
+          <a:lstStyle/>
+          <a:p>
             <a:endParaRPr lang="en-US" dirty="0" smtClean="0"/>
           </a:p>
           <a:p>
-            <a:pPr marL="0" indent="0">
-              <a:buNone/>
-            </a:pPr>
             <a:r>
               <a:rPr lang="en-US" dirty="0" smtClean="0"/>
-              <a:t>&lt;</a:t>
-            </a:r>
-            <a:r>
-              <a:rPr lang="en-US" dirty="0"/>
-              <a:t>dependency&gt;</a:t>
-            </a:r>
-          </a:p>
-          <a:p>
-            <a:pPr marL="0" indent="0">
-              <a:buNone/>
-            </a:pPr>
-            <a:r>
-              <a:rPr lang="en-US" dirty="0"/>
-              <a:t>    &lt;</a:t>
-            </a:r>
-            <a:r>
-              <a:rPr lang="en-US" dirty="0" err="1"/>
-              <a:t>groupId</a:t>
-            </a:r>
-            <a:r>
-              <a:rPr lang="en-US" dirty="0"/>
-              <a:t>&gt;</a:t>
-            </a:r>
-            <a:r>
-              <a:rPr lang="en-US" dirty="0" err="1"/>
-              <a:t>org.springframework.boot</a:t>
-            </a:r>
-            <a:r>
-              <a:rPr lang="en-US" dirty="0"/>
-              <a:t>&lt;/</a:t>
-            </a:r>
-            <a:r>
-              <a:rPr lang="en-US" dirty="0" err="1"/>
-              <a:t>groupId</a:t>
-            </a:r>
-            <a:r>
-              <a:rPr lang="en-US" dirty="0"/>
-              <a:t>&gt;</a:t>
-            </a:r>
-          </a:p>
-          <a:p>
-            <a:pPr marL="0" indent="0">
-              <a:buNone/>
-            </a:pPr>
-            <a:r>
-              <a:rPr lang="en-US" dirty="0"/>
-              <a:t>    &lt;</a:t>
-            </a:r>
-            <a:r>
-              <a:rPr lang="en-US" dirty="0" err="1"/>
-              <a:t>artifactId</a:t>
-            </a:r>
-            <a:r>
-              <a:rPr lang="en-US" dirty="0"/>
-              <a:t>&gt;spring-boot-starter-web&lt;/</a:t>
-            </a:r>
-            <a:r>
-              <a:rPr lang="en-US" dirty="0" err="1"/>
-              <a:t>artifactId</a:t>
-            </a:r>
-            <a:r>
-              <a:rPr lang="en-US" dirty="0"/>
-              <a:t>&gt;</a:t>
-            </a:r>
-          </a:p>
-          <a:p>
-            <a:pPr marL="0" indent="0">
-              <a:buNone/>
-            </a:pPr>
-            <a:r>
-              <a:rPr lang="en-US" dirty="0"/>
-              <a:t>    &lt;exclusions&gt;</a:t>
-            </a:r>
-          </a:p>
-          <a:p>
-            <a:pPr marL="0" indent="0">
-              <a:buNone/>
-            </a:pPr>
-            <a:r>
-              <a:rPr lang="en-US" dirty="0"/>
-              <a:t>        &lt;exclusion&gt;</a:t>
-            </a:r>
-          </a:p>
-          <a:p>
-            <a:pPr marL="0" indent="0">
-              <a:buNone/>
-            </a:pPr>
-            <a:r>
-              <a:rPr lang="en-US" dirty="0"/>
-              <a:t>            &lt;</a:t>
-            </a:r>
-            <a:r>
-              <a:rPr lang="en-US" dirty="0" err="1"/>
-              <a:t>groupId</a:t>
-            </a:r>
-            <a:r>
-              <a:rPr lang="en-US" dirty="0"/>
-              <a:t>&gt;</a:t>
-            </a:r>
-            <a:r>
-              <a:rPr lang="en-US" dirty="0" err="1"/>
-              <a:t>org.springframework.boot</a:t>
-            </a:r>
-            <a:r>
-              <a:rPr lang="en-US" dirty="0"/>
-              <a:t>&lt;/</a:t>
-            </a:r>
-            <a:r>
-              <a:rPr lang="en-US" dirty="0" err="1"/>
-              <a:t>groupId</a:t>
-            </a:r>
-            <a:r>
-              <a:rPr lang="en-US" dirty="0"/>
-              <a:t>&gt;</a:t>
-            </a:r>
-          </a:p>
-          <a:p>
-            <a:pPr marL="0" indent="0">
-              <a:buNone/>
-            </a:pPr>
-            <a:r>
-              <a:rPr lang="en-US" dirty="0"/>
-              <a:t>            &lt;</a:t>
-            </a:r>
-            <a:r>
-              <a:rPr lang="en-US" dirty="0" err="1"/>
-              <a:t>artifactId</a:t>
-            </a:r>
-            <a:r>
-              <a:rPr lang="en-US" dirty="0"/>
-              <a:t>&gt;spring-boot-starter-tomcat&lt;/</a:t>
-            </a:r>
-            <a:r>
-              <a:rPr lang="en-US" dirty="0" err="1"/>
-              <a:t>artifactId</a:t>
-            </a:r>
-            <a:r>
-              <a:rPr lang="en-US" dirty="0"/>
-              <a:t>&gt;</a:t>
-            </a:r>
-          </a:p>
-          <a:p>
-            <a:pPr marL="0" indent="0">
-              <a:buNone/>
-            </a:pPr>
-            <a:r>
-              <a:rPr lang="en-US" dirty="0"/>
-              <a:t>        &lt;/exclusion&gt;</a:t>
-            </a:r>
-          </a:p>
-          <a:p>
-            <a:pPr marL="0" indent="0">
-              <a:buNone/>
-            </a:pPr>
-            <a:r>
-              <a:rPr lang="en-US" dirty="0"/>
-              <a:t>    &lt;/exclusions&gt;</a:t>
-            </a:r>
-          </a:p>
-          <a:p>
-            <a:pPr marL="0" indent="0">
-              <a:buNone/>
-            </a:pPr>
-            <a:r>
-              <a:rPr lang="en-US" dirty="0"/>
-              <a:t>&lt;/dependency&gt;</a:t>
-            </a:r>
-          </a:p>
-          <a:p>
-            <a:pPr marL="0" indent="0">
-              <a:buNone/>
-            </a:pPr>
-            <a:r>
-              <a:rPr lang="en-US" dirty="0"/>
-              <a:t>&lt;dependency&gt;</a:t>
-            </a:r>
-          </a:p>
-          <a:p>
-            <a:pPr marL="0" indent="0">
-              <a:buNone/>
-            </a:pPr>
-            <a:r>
-              <a:rPr lang="en-US" dirty="0"/>
-              <a:t>    &lt;</a:t>
-            </a:r>
-            <a:r>
-              <a:rPr lang="en-US" dirty="0" err="1"/>
-              <a:t>groupId</a:t>
-            </a:r>
-            <a:r>
-              <a:rPr lang="en-US" dirty="0"/>
-              <a:t>&gt;</a:t>
-            </a:r>
-            <a:r>
-              <a:rPr lang="en-US" dirty="0" err="1"/>
-              <a:t>org.springframework.boot</a:t>
-            </a:r>
-            <a:r>
-              <a:rPr lang="en-US" dirty="0"/>
-              <a:t>&lt;/</a:t>
-            </a:r>
-            <a:r>
-              <a:rPr lang="en-US" dirty="0" err="1"/>
-              <a:t>groupId</a:t>
-            </a:r>
-            <a:r>
-              <a:rPr lang="en-US" dirty="0"/>
-              <a:t>&gt;</a:t>
-            </a:r>
-          </a:p>
-          <a:p>
-            <a:pPr marL="0" indent="0">
-              <a:buNone/>
-            </a:pPr>
-            <a:r>
-              <a:rPr lang="en-US" dirty="0"/>
-              <a:t>    &lt;</a:t>
-            </a:r>
-            <a:r>
-              <a:rPr lang="en-US" dirty="0" err="1"/>
-              <a:t>artifactId</a:t>
-            </a:r>
-            <a:r>
-              <a:rPr lang="en-US" dirty="0"/>
-              <a:t>&gt;spring-boot-starter-jetty&lt;/</a:t>
-            </a:r>
-            <a:r>
-              <a:rPr lang="en-US" dirty="0" err="1"/>
-              <a:t>artifactId</a:t>
-            </a:r>
-            <a:r>
-              <a:rPr lang="en-US" dirty="0"/>
-              <a:t>&gt;</a:t>
-            </a:r>
-          </a:p>
-          <a:p>
-            <a:pPr marL="0" indent="0">
-              <a:buNone/>
-            </a:pPr>
-            <a:r>
-              <a:rPr lang="en-US" dirty="0"/>
-              <a:t>&lt;/dependency&gt;</a:t>
-            </a:r>
+              <a:t>Adds </a:t>
+            </a:r>
+            <a:r>
+              <a:rPr lang="en-US" dirty="0"/>
+              <a:t>production ready features such as metrics and monitoring</a:t>
+            </a:r>
+            <a:r>
+              <a:rPr lang="en-US" dirty="0" smtClean="0"/>
+              <a:t>.</a:t>
+            </a:r>
+          </a:p>
+          <a:p>
+            <a:r>
+              <a:rPr lang="en-US" dirty="0">
+                <a:hlinkClick r:id="rId2"/>
+              </a:rPr>
+              <a:t>http://docs.spring.io/spring-boot/docs/current-SNAPSHOT/reference/htmlsingle/#production-ready-</a:t>
+            </a:r>
+            <a:r>
+              <a:rPr lang="en-US" dirty="0" smtClean="0">
+                <a:hlinkClick r:id="rId2"/>
+              </a:rPr>
+              <a:t>enabling</a:t>
+            </a:r>
+            <a:endParaRPr lang="en-US" dirty="0" smtClean="0"/>
+          </a:p>
+          <a:p>
+            <a:r>
+              <a:rPr lang="en-US" dirty="0">
+                <a:hlinkClick r:id="rId3"/>
+              </a:rPr>
+              <a:t>http://localhost:8080/</a:t>
+            </a:r>
+            <a:r>
+              <a:rPr lang="en-US" dirty="0" smtClean="0">
+                <a:hlinkClick r:id="rId3"/>
+              </a:rPr>
+              <a:t>metrics</a:t>
+            </a:r>
+            <a:endParaRPr lang="en-US" dirty="0" smtClean="0"/>
+          </a:p>
+          <a:p>
+            <a:r>
+              <a:rPr lang="en-US" dirty="0">
+                <a:hlinkClick r:id="rId4"/>
+              </a:rPr>
+              <a:t>http://localhost:8080/</a:t>
+            </a:r>
+            <a:r>
+              <a:rPr lang="en-US" dirty="0" smtClean="0">
+                <a:hlinkClick r:id="rId4"/>
+              </a:rPr>
+              <a:t>beans</a:t>
+            </a:r>
+            <a:endParaRPr lang="en-US" dirty="0" smtClean="0"/>
+          </a:p>
+          <a:p>
+            <a:r>
+              <a:rPr lang="en-US" dirty="0">
+                <a:hlinkClick r:id="rId5"/>
+              </a:rPr>
+              <a:t>http://localhost:8080/</a:t>
+            </a:r>
+            <a:r>
+              <a:rPr lang="en-US" dirty="0" smtClean="0">
+                <a:hlinkClick r:id="rId5"/>
+              </a:rPr>
+              <a:t>mappings</a:t>
+            </a:r>
+            <a:endParaRPr lang="en-US" dirty="0" smtClean="0"/>
+          </a:p>
+          <a:p>
+            <a:r>
+              <a:rPr lang="en-US" dirty="0">
+                <a:hlinkClick r:id="rId6"/>
+              </a:rPr>
+              <a:t>http://localhost:8080/</a:t>
+            </a:r>
+            <a:r>
+              <a:rPr lang="en-US" dirty="0" smtClean="0">
+                <a:hlinkClick r:id="rId6"/>
+              </a:rPr>
+              <a:t>autoconfig</a:t>
+            </a:r>
+            <a:endParaRPr lang="en-US" dirty="0" smtClean="0"/>
+          </a:p>
+          <a:p>
+            <a:endParaRPr lang="en-US" dirty="0"/>
           </a:p>
         </p:txBody>
       </p:sp>
     </p:spTree>
     <p:extLst>
       <p:ext uri="{BB962C8B-B14F-4D97-AF65-F5344CB8AC3E}">
-        <p14:creationId xmlns:p14="http://schemas.microsoft.com/office/powerpoint/2010/main" val="2453535978"/>
+        <p14:creationId xmlns:p14="http://schemas.microsoft.com/office/powerpoint/2010/main" val="204937054"/>
       </p:ext>
     </p:extLst>
   </p:cSld>
@@ -4693,7 +4946,7 @@
           <a:p>
             <a:r>
               <a:rPr lang="en-US" dirty="0" smtClean="0"/>
-              <a:t>References</a:t>
+              <a:t>Jetty Instead Of Tomcat?</a:t>
             </a:r>
             <a:endParaRPr lang="en-US" dirty="0"/>
           </a:p>
@@ -4711,98 +4964,285 @@
         </p:nvSpPr>
         <p:spPr/>
         <p:txBody>
-          <a:bodyPr/>
-          <a:lstStyle/>
-          <a:p>
-            <a:r>
-              <a:rPr lang="en-US" dirty="0">
-                <a:hlinkClick r:id="rId2"/>
-              </a:rPr>
-              <a:t>http://docs.spring.io/spring-boot/docs/current-SNAPSHOT/reference/htmlsingle/#boot-</a:t>
-            </a:r>
-            <a:r>
-              <a:rPr lang="en-US" dirty="0" smtClean="0">
-                <a:hlinkClick r:id="rId2"/>
-              </a:rPr>
-              <a:t>documentation</a:t>
-            </a:r>
+          <a:bodyPr>
+            <a:normAutofit fontScale="77500" lnSpcReduction="20000"/>
+          </a:bodyPr>
+          <a:lstStyle/>
+          <a:p>
+            <a:pPr marL="0" indent="0">
+              <a:buNone/>
+            </a:pPr>
             <a:endParaRPr lang="en-US" dirty="0" smtClean="0"/>
           </a:p>
           <a:p>
-            <a:r>
-              <a:rPr lang="en-US" dirty="0">
-                <a:hlinkClick r:id="rId3"/>
-              </a:rPr>
-              <a:t>http://start.spring.io/</a:t>
-            </a:r>
-            <a:endParaRPr lang="en-US" dirty="0"/>
-          </a:p>
-          <a:p>
-            <a:r>
-              <a:rPr lang="en-US" dirty="0" smtClean="0">
-                <a:hlinkClick r:id="rId4"/>
-              </a:rPr>
-              <a:t>http</a:t>
-            </a:r>
-            <a:r>
-              <a:rPr lang="en-US" dirty="0">
-                <a:hlinkClick r:id="rId4"/>
-              </a:rPr>
-              <a:t>://www.webjars.org</a:t>
-            </a:r>
-            <a:r>
-              <a:rPr lang="en-US" dirty="0" smtClean="0">
-                <a:hlinkClick r:id="rId4"/>
-              </a:rPr>
-              <a:t>/</a:t>
-            </a:r>
-            <a:endParaRPr lang="en-US" dirty="0" smtClean="0"/>
-          </a:p>
-          <a:p>
-            <a:r>
-              <a:rPr lang="en-US" dirty="0">
-                <a:hlinkClick r:id="rId5"/>
-              </a:rPr>
-              <a:t>http://www.thymeleaf.org/doc/</a:t>
-            </a:r>
-            <a:r>
-              <a:rPr lang="en-US" dirty="0" smtClean="0">
-                <a:hlinkClick r:id="rId5"/>
-              </a:rPr>
-              <a:t>thymeleafspring.html</a:t>
-            </a:r>
-            <a:endParaRPr lang="en-US" dirty="0" smtClean="0"/>
-          </a:p>
-          <a:p>
-            <a:r>
-              <a:rPr lang="en-US" dirty="0">
-                <a:hlinkClick r:id="rId6"/>
-              </a:rPr>
-              <a:t>https://github.com/spring-projects/spring-boot/tree/master/spring-boot-autoconfigure/src/main/java/org/springframework/boot/</a:t>
-            </a:r>
-            <a:r>
-              <a:rPr lang="en-US" dirty="0" smtClean="0">
-                <a:hlinkClick r:id="rId6"/>
-              </a:rPr>
-              <a:t>autoconfigure</a:t>
-            </a:r>
-            <a:endParaRPr lang="en-US" dirty="0" smtClean="0"/>
-          </a:p>
-          <a:p>
-            <a:endParaRPr lang="en-US" dirty="0"/>
+            <a:pPr marL="0" indent="0">
+              <a:buNone/>
+            </a:pPr>
+            <a:r>
+              <a:rPr lang="en-US" dirty="0" smtClean="0"/>
+              <a:t>&lt;</a:t>
+            </a:r>
+            <a:r>
+              <a:rPr lang="en-US" dirty="0"/>
+              <a:t>dependency&gt;</a:t>
+            </a:r>
+          </a:p>
+          <a:p>
+            <a:pPr marL="0" indent="0">
+              <a:buNone/>
+            </a:pPr>
+            <a:r>
+              <a:rPr lang="en-US" dirty="0"/>
+              <a:t>    &lt;</a:t>
+            </a:r>
+            <a:r>
+              <a:rPr lang="en-US" dirty="0" err="1"/>
+              <a:t>groupId</a:t>
+            </a:r>
+            <a:r>
+              <a:rPr lang="en-US" dirty="0"/>
+              <a:t>&gt;</a:t>
+            </a:r>
+            <a:r>
+              <a:rPr lang="en-US" dirty="0" err="1"/>
+              <a:t>org.springframework.boot</a:t>
+            </a:r>
+            <a:r>
+              <a:rPr lang="en-US" dirty="0"/>
+              <a:t>&lt;/</a:t>
+            </a:r>
+            <a:r>
+              <a:rPr lang="en-US" dirty="0" err="1"/>
+              <a:t>groupId</a:t>
+            </a:r>
+            <a:r>
+              <a:rPr lang="en-US" dirty="0"/>
+              <a:t>&gt;</a:t>
+            </a:r>
+          </a:p>
+          <a:p>
+            <a:pPr marL="0" indent="0">
+              <a:buNone/>
+            </a:pPr>
+            <a:r>
+              <a:rPr lang="en-US" dirty="0"/>
+              <a:t>    &lt;</a:t>
+            </a:r>
+            <a:r>
+              <a:rPr lang="en-US" dirty="0" err="1"/>
+              <a:t>artifactId</a:t>
+            </a:r>
+            <a:r>
+              <a:rPr lang="en-US" dirty="0"/>
+              <a:t>&gt;spring-boot-starter-web&lt;/</a:t>
+            </a:r>
+            <a:r>
+              <a:rPr lang="en-US" dirty="0" err="1"/>
+              <a:t>artifactId</a:t>
+            </a:r>
+            <a:r>
+              <a:rPr lang="en-US" dirty="0"/>
+              <a:t>&gt;</a:t>
+            </a:r>
+          </a:p>
+          <a:p>
+            <a:pPr marL="0" indent="0">
+              <a:buNone/>
+            </a:pPr>
+            <a:r>
+              <a:rPr lang="en-US" dirty="0"/>
+              <a:t>    &lt;exclusions&gt;</a:t>
+            </a:r>
+          </a:p>
+          <a:p>
+            <a:pPr marL="0" indent="0">
+              <a:buNone/>
+            </a:pPr>
+            <a:r>
+              <a:rPr lang="en-US" dirty="0"/>
+              <a:t>        &lt;exclusion&gt;</a:t>
+            </a:r>
+          </a:p>
+          <a:p>
+            <a:pPr marL="0" indent="0">
+              <a:buNone/>
+            </a:pPr>
+            <a:r>
+              <a:rPr lang="en-US" dirty="0"/>
+              <a:t>            &lt;</a:t>
+            </a:r>
+            <a:r>
+              <a:rPr lang="en-US" dirty="0" err="1"/>
+              <a:t>groupId</a:t>
+            </a:r>
+            <a:r>
+              <a:rPr lang="en-US" dirty="0"/>
+              <a:t>&gt;</a:t>
+            </a:r>
+            <a:r>
+              <a:rPr lang="en-US" dirty="0" err="1"/>
+              <a:t>org.springframework.boot</a:t>
+            </a:r>
+            <a:r>
+              <a:rPr lang="en-US" dirty="0"/>
+              <a:t>&lt;/</a:t>
+            </a:r>
+            <a:r>
+              <a:rPr lang="en-US" dirty="0" err="1"/>
+              <a:t>groupId</a:t>
+            </a:r>
+            <a:r>
+              <a:rPr lang="en-US" dirty="0"/>
+              <a:t>&gt;</a:t>
+            </a:r>
+          </a:p>
+          <a:p>
+            <a:pPr marL="0" indent="0">
+              <a:buNone/>
+            </a:pPr>
+            <a:r>
+              <a:rPr lang="en-US" dirty="0"/>
+              <a:t>            &lt;</a:t>
+            </a:r>
+            <a:r>
+              <a:rPr lang="en-US" dirty="0" err="1"/>
+              <a:t>artifactId</a:t>
+            </a:r>
+            <a:r>
+              <a:rPr lang="en-US" dirty="0"/>
+              <a:t>&gt;spring-boot-starter-tomcat&lt;/</a:t>
+            </a:r>
+            <a:r>
+              <a:rPr lang="en-US" dirty="0" err="1"/>
+              <a:t>artifactId</a:t>
+            </a:r>
+            <a:r>
+              <a:rPr lang="en-US" dirty="0"/>
+              <a:t>&gt;</a:t>
+            </a:r>
+          </a:p>
+          <a:p>
+            <a:pPr marL="0" indent="0">
+              <a:buNone/>
+            </a:pPr>
+            <a:r>
+              <a:rPr lang="en-US" dirty="0"/>
+              <a:t>        &lt;/exclusion&gt;</a:t>
+            </a:r>
+          </a:p>
+          <a:p>
+            <a:pPr marL="0" indent="0">
+              <a:buNone/>
+            </a:pPr>
+            <a:r>
+              <a:rPr lang="en-US" dirty="0"/>
+              <a:t>    &lt;/exclusions&gt;</a:t>
+            </a:r>
+          </a:p>
+          <a:p>
+            <a:pPr marL="0" indent="0">
+              <a:buNone/>
+            </a:pPr>
+            <a:r>
+              <a:rPr lang="en-US" dirty="0"/>
+              <a:t>&lt;/dependency&gt;</a:t>
+            </a:r>
+          </a:p>
+          <a:p>
+            <a:pPr marL="0" indent="0">
+              <a:buNone/>
+            </a:pPr>
+            <a:r>
+              <a:rPr lang="en-US" dirty="0"/>
+              <a:t>&lt;dependency&gt;</a:t>
+            </a:r>
+          </a:p>
+          <a:p>
+            <a:pPr marL="0" indent="0">
+              <a:buNone/>
+            </a:pPr>
+            <a:r>
+              <a:rPr lang="en-US" dirty="0"/>
+              <a:t>    &lt;</a:t>
+            </a:r>
+            <a:r>
+              <a:rPr lang="en-US" dirty="0" err="1"/>
+              <a:t>groupId</a:t>
+            </a:r>
+            <a:r>
+              <a:rPr lang="en-US" dirty="0"/>
+              <a:t>&gt;</a:t>
+            </a:r>
+            <a:r>
+              <a:rPr lang="en-US" dirty="0" err="1"/>
+              <a:t>org.springframework.boot</a:t>
+            </a:r>
+            <a:r>
+              <a:rPr lang="en-US" dirty="0"/>
+              <a:t>&lt;/</a:t>
+            </a:r>
+            <a:r>
+              <a:rPr lang="en-US" dirty="0" err="1"/>
+              <a:t>groupId</a:t>
+            </a:r>
+            <a:r>
+              <a:rPr lang="en-US" dirty="0"/>
+              <a:t>&gt;</a:t>
+            </a:r>
+          </a:p>
+          <a:p>
+            <a:pPr marL="0" indent="0">
+              <a:buNone/>
+            </a:pPr>
+            <a:r>
+              <a:rPr lang="en-US" dirty="0"/>
+              <a:t>    &lt;</a:t>
+            </a:r>
+            <a:r>
+              <a:rPr lang="en-US" dirty="0" err="1"/>
+              <a:t>artifactId</a:t>
+            </a:r>
+            <a:r>
+              <a:rPr lang="en-US" dirty="0"/>
+              <a:t>&gt;spring-boot-starter-jetty&lt;/</a:t>
+            </a:r>
+            <a:r>
+              <a:rPr lang="en-US" dirty="0" err="1"/>
+              <a:t>artifactId</a:t>
+            </a:r>
+            <a:r>
+              <a:rPr lang="en-US" dirty="0"/>
+              <a:t>&gt;</a:t>
+            </a:r>
+          </a:p>
+          <a:p>
+            <a:pPr marL="0" indent="0">
+              <a:buNone/>
+            </a:pPr>
+            <a:r>
+              <a:rPr lang="en-US" dirty="0"/>
+              <a:t>&lt;/dependency&gt;</a:t>
+            </a:r>
           </a:p>
         </p:txBody>
       </p:sp>
     </p:spTree>
     <p:extLst>
       <p:ext uri="{BB962C8B-B14F-4D97-AF65-F5344CB8AC3E}">
-        <p14:creationId xmlns:p14="http://schemas.microsoft.com/office/powerpoint/2010/main" val="3901240246"/>
+        <p14:creationId xmlns:p14="http://schemas.microsoft.com/office/powerpoint/2010/main" val="2453535978"/>
       </p:ext>
     </p:extLst>
   </p:cSld>
   <p:clrMapOvr>
     <a:masterClrMapping/>
   </p:clrMapOvr>
+  <p:timing>
+    <p:tnLst>
+      <p:par>
+        <p:cTn xmlns:p14="http://schemas.microsoft.com/office/powerpoint/2010/main" id="1" dur="indefinite" restart="never" nodeType="tmRoot"/>
+      </p:par>
+    </p:tnLst>
+  </p:timing>
 </p:sld>
 </file>
 
